--- a/Documentation/OSTChat_Walther_Kleb.pptx
+++ b/Documentation/OSTChat_Walther_Kleb.pptx
@@ -130,7 +130,15 @@
           <p14:sldIdLst>
             <p14:sldId id="263"/>
             <p14:sldId id="264"/>
+          </p14:sldIdLst>
+        </p14:section>
+        <p14:section name="Dominic" id="{12AFC1FA-57E8-48C6-9D66-D99C459F2C78}">
+          <p14:sldIdLst>
             <p14:sldId id="268"/>
+          </p14:sldIdLst>
+        </p14:section>
+        <p14:section name="Thomas" id="{67896334-8EED-42A8-ADA4-4D1FC43CCCC0}">
+          <p14:sldIdLst>
             <p14:sldId id="266"/>
             <p14:sldId id="269"/>
           </p14:sldIdLst>
@@ -6423,10 +6431,9 @@
           </a:p>
           <a:p>
             <a:r>
-              <a:rPr lang="de-CH"/>
+              <a:rPr lang="de-CH" dirty="0"/>
               <a:t>Verwendete Technologien</a:t>
             </a:r>
-            <a:endParaRPr lang="de-CH" dirty="0"/>
           </a:p>
           <a:p>
             <a:r>
@@ -6982,10 +6989,10 @@
       </p:sp>
       <p:pic>
         <p:nvPicPr>
-          <p:cNvPr id="12" name="Picture 11" descr="Diagram&#10;&#10;Description automatically generated">
+          <p:cNvPr id="7" name="Picture 6" descr="Diagram&#10;&#10;Description automatically generated">
             <a:extLst>
               <a:ext uri="{FF2B5EF4-FFF2-40B4-BE49-F238E27FC236}">
-                <a16:creationId xmlns:a16="http://schemas.microsoft.com/office/drawing/2014/main" id="{BEEC856C-E995-4FCC-88EF-6D8C15D44AC6}"/>
+                <a16:creationId xmlns:a16="http://schemas.microsoft.com/office/drawing/2014/main" id="{852734E2-8D91-4A0C-884A-340ACBDF4006}"/>
               </a:ext>
             </a:extLst>
           </p:cNvPr>
@@ -7002,8 +7009,8 @@
         </p:blipFill>
         <p:spPr>
           <a:xfrm>
-            <a:off x="2688827" y="909638"/>
-            <a:ext cx="6030119" cy="5384803"/>
+            <a:off x="2994302" y="909637"/>
+            <a:ext cx="6209745" cy="5545207"/>
           </a:xfrm>
           <a:prstGeom prst="rect">
             <a:avLst/>
